--- a/ppt/ngram_model_khanh.pptx
+++ b/ppt/ngram_model_khanh.pptx
@@ -143,17 +143,18 @@
       </a:defRPr>
     </a:lvl9pPr>
   </p:defaultTextStyle>
+  <p:extLst>
+    <p:ext uri="{EFAFB233-063F-42B5-8137-9DF3F51BA10A}">
+      <p15:sldGuideLst xmlns:p15="http://schemas.microsoft.com/office/powerpoint/2012/main"/>
+    </p:ext>
+  </p:extLst>
 </p:presentation>
 </file>
 
 <file path=ppt/commentAuthors.xml><?xml version="1.0" encoding="utf-8"?>
 <p:cmAuthorLst xmlns:a="http://schemas.openxmlformats.org/drawingml/2006/main" xmlns:r="http://schemas.openxmlformats.org/officeDocument/2006/relationships" xmlns:p="http://schemas.openxmlformats.org/presentationml/2006/main">
   <p:cmAuthor id="1" name="Nguyen Duy Khanh(KhanhND)" initials="NDK" lastIdx="1" clrIdx="0">
-    <p:extLst>
-      <p:ext uri="{19B8F6BF-5375-455C-9EA6-DF929625EA0E}">
-        <p15:presenceInfo xmlns:p15="http://schemas.microsoft.com/office/powerpoint/2012/main" userId="" providerId=""/>
-      </p:ext>
-    </p:extLst>
+    <p:extLst/>
   </p:cmAuthor>
 </p:cmAuthorLst>
 </file>
@@ -240,7 +241,7 @@
           <a:p>
             <a:fld id="{CBD86EF3-91ED-504E-A38C-76FBC8E99000}" type="datetimeFigureOut">
               <a:rPr lang="en-US" smtClean="0"/>
-              <a:t>3/11/20</a:t>
+              <a:t>5/17/20</a:t>
             </a:fld>
             <a:endParaRPr lang="en-US"/>
           </a:p>
@@ -639,7 +640,7 @@
           <a:p>
             <a:fld id="{A7CDD9AB-7C5B-8046-BA25-4B909427E929}" type="datetimeFigureOut">
               <a:rPr lang="en-US" smtClean="0"/>
-              <a:t>3/11/20</a:t>
+              <a:t>5/17/20</a:t>
             </a:fld>
             <a:endParaRPr lang="en-US"/>
           </a:p>
@@ -809,7 +810,7 @@
           <a:p>
             <a:fld id="{A7CDD9AB-7C5B-8046-BA25-4B909427E929}" type="datetimeFigureOut">
               <a:rPr lang="en-US" smtClean="0"/>
-              <a:t>3/11/20</a:t>
+              <a:t>5/17/20</a:t>
             </a:fld>
             <a:endParaRPr lang="en-US"/>
           </a:p>
@@ -989,7 +990,7 @@
           <a:p>
             <a:fld id="{A7CDD9AB-7C5B-8046-BA25-4B909427E929}" type="datetimeFigureOut">
               <a:rPr lang="en-US" smtClean="0"/>
-              <a:t>3/11/20</a:t>
+              <a:t>5/17/20</a:t>
             </a:fld>
             <a:endParaRPr lang="en-US"/>
           </a:p>
@@ -1159,7 +1160,7 @@
           <a:p>
             <a:fld id="{A7CDD9AB-7C5B-8046-BA25-4B909427E929}" type="datetimeFigureOut">
               <a:rPr lang="en-US" smtClean="0"/>
-              <a:t>3/11/20</a:t>
+              <a:t>5/17/20</a:t>
             </a:fld>
             <a:endParaRPr lang="en-US"/>
           </a:p>
@@ -1405,7 +1406,7 @@
           <a:p>
             <a:fld id="{A7CDD9AB-7C5B-8046-BA25-4B909427E929}" type="datetimeFigureOut">
               <a:rPr lang="en-US" smtClean="0"/>
-              <a:t>3/11/20</a:t>
+              <a:t>5/17/20</a:t>
             </a:fld>
             <a:endParaRPr lang="en-US"/>
           </a:p>
@@ -1637,7 +1638,7 @@
           <a:p>
             <a:fld id="{A7CDD9AB-7C5B-8046-BA25-4B909427E929}" type="datetimeFigureOut">
               <a:rPr lang="en-US" smtClean="0"/>
-              <a:t>3/11/20</a:t>
+              <a:t>5/17/20</a:t>
             </a:fld>
             <a:endParaRPr lang="en-US"/>
           </a:p>
@@ -2004,7 +2005,7 @@
           <a:p>
             <a:fld id="{A7CDD9AB-7C5B-8046-BA25-4B909427E929}" type="datetimeFigureOut">
               <a:rPr lang="en-US" smtClean="0"/>
-              <a:t>3/11/20</a:t>
+              <a:t>5/17/20</a:t>
             </a:fld>
             <a:endParaRPr lang="en-US"/>
           </a:p>
@@ -2122,7 +2123,7 @@
           <a:p>
             <a:fld id="{A7CDD9AB-7C5B-8046-BA25-4B909427E929}" type="datetimeFigureOut">
               <a:rPr lang="en-US" smtClean="0"/>
-              <a:t>3/11/20</a:t>
+              <a:t>5/17/20</a:t>
             </a:fld>
             <a:endParaRPr lang="en-US"/>
           </a:p>
@@ -2217,7 +2218,7 @@
           <a:p>
             <a:fld id="{A7CDD9AB-7C5B-8046-BA25-4B909427E929}" type="datetimeFigureOut">
               <a:rPr lang="en-US" smtClean="0"/>
-              <a:t>3/11/20</a:t>
+              <a:t>5/17/20</a:t>
             </a:fld>
             <a:endParaRPr lang="en-US"/>
           </a:p>
@@ -2494,7 +2495,7 @@
           <a:p>
             <a:fld id="{A7CDD9AB-7C5B-8046-BA25-4B909427E929}" type="datetimeFigureOut">
               <a:rPr lang="en-US" smtClean="0"/>
-              <a:t>3/11/20</a:t>
+              <a:t>5/17/20</a:t>
             </a:fld>
             <a:endParaRPr lang="en-US"/>
           </a:p>
@@ -2747,7 +2748,7 @@
           <a:p>
             <a:fld id="{A7CDD9AB-7C5B-8046-BA25-4B909427E929}" type="datetimeFigureOut">
               <a:rPr lang="en-US" smtClean="0"/>
-              <a:t>3/11/20</a:t>
+              <a:t>5/17/20</a:t>
             </a:fld>
             <a:endParaRPr lang="en-US"/>
           </a:p>
@@ -2960,7 +2961,7 @@
           <a:p>
             <a:fld id="{A7CDD9AB-7C5B-8046-BA25-4B909427E929}" type="datetimeFigureOut">
               <a:rPr lang="en-US" smtClean="0"/>
-              <a:t>3/11/20</a:t>
+              <a:t>5/17/20</a:t>
             </a:fld>
             <a:endParaRPr lang="en-US"/>
           </a:p>
@@ -4107,17 +4108,7 @@
                   </a:schemeClr>
                 </a:solidFill>
               </a:rPr>
-              <a:t>370104. </a:t>
-            </a:r>
-            <a:r>
-              <a:rPr lang="nl-NL" dirty="0" smtClean="0">
-                <a:solidFill>
-                  <a:schemeClr val="bg2">
-                    <a:lumMod val="25000"/>
-                  </a:schemeClr>
-                </a:solidFill>
-              </a:rPr>
-              <a:t>&lt;END&gt;</a:t>
+              <a:t>370104. &lt;END&gt;</a:t>
             </a:r>
             <a:endParaRPr lang="en-US" dirty="0">
               <a:solidFill>
